--- a/SVRHM_2020_v3.pptx
+++ b/SVRHM_2020_v3.pptx
@@ -4000,15 +4000,8 @@
               <a:rPr lang="en-US" sz="3100" dirty="0">
                 <a:latin typeface="+mj-lt"/>
               </a:rPr>
-              <a:t>Here, we suggest a complimentary approach: learning representations of the AI system itself so as to separate artifacts of the system (noise) from accurate </a:t>
-            </a:r>
-            <a:r>
-              <a:rPr lang="en-US" sz="3100" dirty="0"/>
-              <a:t>percepts (signal).</a:t>
-            </a:r>
-            <a:endParaRPr lang="en-US" sz="3100" dirty="0">
-              <a:latin typeface="+mj-lt"/>
-            </a:endParaRPr>
+              <a:t>Here, we suggest a complimentary approach: learning representations of the AI system itself so as to separate artifacts of the system from accurate representations</a:t>
+            </a:r>
           </a:p>
         </p:txBody>
       </p:sp>
